--- a/Tasarım.pptx
+++ b/Tasarım.pptx
@@ -6,7 +6,9 @@
   </p:sldMasterIdLst>
   <p:sldIdLst>
     <p:sldId id="256" r:id="rId2"/>
-    <p:sldId id="257" r:id="rId3"/>
+    <p:sldId id="258" r:id="rId3"/>
+    <p:sldId id="257" r:id="rId4"/>
+    <p:sldId id="259" r:id="rId5"/>
   </p:sldIdLst>
   <p:sldSz cx="12192000" cy="6858000"/>
   <p:notesSz cx="6858000" cy="9144000"/>
@@ -105,6 +107,11 @@
       </a:defRPr>
     </a:lvl9pPr>
   </p:defaultTextStyle>
+  <p:extLst>
+    <p:ext uri="{EFAFB233-063F-42B5-8137-9DF3F51BA10A}">
+      <p15:sldGuideLst xmlns:p15="http://schemas.microsoft.com/office/powerpoint/2012/main"/>
+    </p:ext>
+  </p:extLst>
 </p:presentation>
 </file>
 
@@ -3409,21 +3416,449 @@
           </a:xfrm>
         </p:spPr>
         <p:txBody>
-          <a:bodyPr/>
+          <a:bodyPr>
+            <a:normAutofit/>
+          </a:bodyPr>
           <a:lstStyle/>
           <a:p>
             <a:r>
               <a:rPr lang="tr-TR" dirty="0"/>
+              <a:t>Log in Menu</a:t>
+            </a:r>
+            <a:endParaRPr lang="en-US" dirty="0"/>
+          </a:p>
+        </p:txBody>
+      </p:sp>
+      <p:sp>
+        <p:nvSpPr>
+          <p:cNvPr id="3" name="TextBox 2">
+            <a:extLst>
+              <a:ext uri="{FF2B5EF4-FFF2-40B4-BE49-F238E27FC236}">
+                <a16:creationId xmlns:a16="http://schemas.microsoft.com/office/drawing/2014/main" id="{8067A241-D88B-F186-1D9D-E20A0F160F97}"/>
+              </a:ext>
+            </a:extLst>
+          </p:cNvPr>
+          <p:cNvSpPr txBox="1"/>
+          <p:nvPr/>
+        </p:nvSpPr>
+        <p:spPr>
+          <a:xfrm>
+            <a:off x="754456" y="1783533"/>
+            <a:ext cx="6452279" cy="369332"/>
+          </a:xfrm>
+          <a:prstGeom prst="rect">
+            <a:avLst/>
+          </a:prstGeom>
+          <a:noFill/>
+        </p:spPr>
+        <p:txBody>
+          <a:bodyPr wrap="none" rtlCol="0">
+            <a:spAutoFit/>
+          </a:bodyPr>
+          <a:lstStyle/>
+          <a:p>
+            <a:r>
+              <a:rPr lang="tr-TR" dirty="0"/>
+              <a:t>Başlangıçta programa giriş yapılması veya kayıt olunması lazım.</a:t>
+            </a:r>
+            <a:endParaRPr lang="en-US" dirty="0"/>
+          </a:p>
+        </p:txBody>
+      </p:sp>
+      <p:pic>
+        <p:nvPicPr>
+          <p:cNvPr id="5" name="Picture 4" descr="A screen shot of a login screen">
+            <a:extLst>
+              <a:ext uri="{FF2B5EF4-FFF2-40B4-BE49-F238E27FC236}">
+                <a16:creationId xmlns:a16="http://schemas.microsoft.com/office/drawing/2014/main" id="{C63B48A8-EF4A-2E78-26BA-04A1D8A4F4EA}"/>
+              </a:ext>
+            </a:extLst>
+          </p:cNvPr>
+          <p:cNvPicPr>
+            <a:picLocks noChangeAspect="1"/>
+          </p:cNvPicPr>
+          <p:nvPr/>
+        </p:nvPicPr>
+        <p:blipFill>
+          <a:blip r:embed="rId2">
+            <a:extLst>
+              <a:ext uri="{28A0092B-C50C-407E-A947-70E740481C1C}">
+                <a14:useLocalDpi xmlns:a14="http://schemas.microsoft.com/office/drawing/2010/main" val="0"/>
+              </a:ext>
+            </a:extLst>
+          </a:blip>
+          <a:stretch>
+            <a:fillRect/>
+          </a:stretch>
+        </p:blipFill>
+        <p:spPr>
+          <a:xfrm>
+            <a:off x="8768315" y="1227011"/>
+            <a:ext cx="2856934" cy="5078994"/>
+          </a:xfrm>
+          <a:prstGeom prst="rect">
+            <a:avLst/>
+          </a:prstGeom>
+        </p:spPr>
+      </p:pic>
+      <p:sp>
+        <p:nvSpPr>
+          <p:cNvPr id="6" name="TextBox 5">
+            <a:extLst>
+              <a:ext uri="{FF2B5EF4-FFF2-40B4-BE49-F238E27FC236}">
+                <a16:creationId xmlns:a16="http://schemas.microsoft.com/office/drawing/2014/main" id="{2BFE483F-F46C-7989-5806-CDDF5B70DA80}"/>
+              </a:ext>
+            </a:extLst>
+          </p:cNvPr>
+          <p:cNvSpPr txBox="1"/>
+          <p:nvPr/>
+        </p:nvSpPr>
+        <p:spPr>
+          <a:xfrm>
+            <a:off x="754455" y="2424469"/>
+            <a:ext cx="6364563" cy="369332"/>
+          </a:xfrm>
+          <a:prstGeom prst="rect">
+            <a:avLst/>
+          </a:prstGeom>
+          <a:noFill/>
+        </p:spPr>
+        <p:txBody>
+          <a:bodyPr wrap="none" rtlCol="0">
+            <a:spAutoFit/>
+          </a:bodyPr>
+          <a:lstStyle/>
+          <a:p>
+            <a:r>
+              <a:rPr lang="tr-TR" dirty="0" err="1"/>
+              <a:t>Register</a:t>
+            </a:r>
+            <a:r>
+              <a:rPr lang="tr-TR" dirty="0"/>
+              <a:t> için ayrıca </a:t>
+            </a:r>
+            <a:r>
+              <a:rPr lang="tr-TR" dirty="0" err="1"/>
+              <a:t>activity</a:t>
+            </a:r>
+            <a:r>
+              <a:rPr lang="tr-TR" dirty="0"/>
+              <a:t> </a:t>
+            </a:r>
+            <a:r>
+              <a:rPr lang="tr-TR" dirty="0" err="1"/>
+              <a:t>olucak</a:t>
+            </a:r>
+            <a:r>
+              <a:rPr lang="tr-TR" dirty="0"/>
+              <a:t>, bu </a:t>
+            </a:r>
+            <a:r>
+              <a:rPr lang="tr-TR" dirty="0" err="1"/>
+              <a:t>activity</a:t>
+            </a:r>
+            <a:r>
+              <a:rPr lang="tr-TR" dirty="0"/>
+              <a:t> ye benzer </a:t>
+            </a:r>
+            <a:r>
+              <a:rPr lang="tr-TR" dirty="0" err="1"/>
+              <a:t>olucak</a:t>
+            </a:r>
+            <a:endParaRPr lang="en-US" dirty="0"/>
+          </a:p>
+        </p:txBody>
+      </p:sp>
+    </p:spTree>
+    <p:extLst>
+      <p:ext uri="{BB962C8B-B14F-4D97-AF65-F5344CB8AC3E}">
+        <p14:creationId xmlns:p14="http://schemas.microsoft.com/office/powerpoint/2010/main" val="1632463711"/>
+      </p:ext>
+    </p:extLst>
+  </p:cSld>
+  <p:clrMapOvr>
+    <a:masterClrMapping/>
+  </p:clrMapOvr>
+</p:sld>
+</file>
+
+<file path=ppt/slides/slide3.xml><?xml version="1.0" encoding="utf-8"?>
+<p:sld xmlns:a="http://schemas.openxmlformats.org/drawingml/2006/main" xmlns:r="http://schemas.openxmlformats.org/officeDocument/2006/relationships" xmlns:p="http://schemas.openxmlformats.org/presentationml/2006/main">
+  <p:cSld>
+    <p:spTree>
+      <p:nvGrpSpPr>
+        <p:cNvPr id="1" name=""/>
+        <p:cNvGrpSpPr/>
+        <p:nvPr/>
+      </p:nvGrpSpPr>
+      <p:grpSpPr>
+        <a:xfrm>
+          <a:off x="0" y="0"/>
+          <a:ext cx="0" cy="0"/>
+          <a:chOff x="0" y="0"/>
+          <a:chExt cx="0" cy="0"/>
+        </a:xfrm>
+      </p:grpSpPr>
+      <p:sp>
+        <p:nvSpPr>
+          <p:cNvPr id="2" name="Title 1">
+            <a:extLst>
+              <a:ext uri="{FF2B5EF4-FFF2-40B4-BE49-F238E27FC236}">
+                <a16:creationId xmlns:a16="http://schemas.microsoft.com/office/drawing/2014/main" id="{DC1BE322-06AB-F54A-8AE9-7D65EC7C1991}"/>
+              </a:ext>
+            </a:extLst>
+          </p:cNvPr>
+          <p:cNvSpPr>
+            <a:spLocks noGrp="1"/>
+          </p:cNvSpPr>
+          <p:nvPr>
+            <p:ph type="ctrTitle"/>
+          </p:nvPr>
+        </p:nvSpPr>
+        <p:spPr>
+          <a:xfrm>
+            <a:off x="1524000" y="551995"/>
+            <a:ext cx="9144000" cy="959934"/>
+          </a:xfrm>
+        </p:spPr>
+        <p:txBody>
+          <a:bodyPr/>
+          <a:lstStyle/>
+          <a:p>
+            <a:r>
+              <a:rPr lang="tr-TR"/>
               <a:t>Main Menu</a:t>
             </a:r>
             <a:endParaRPr lang="en-US" dirty="0"/>
           </a:p>
         </p:txBody>
       </p:sp>
+      <p:pic>
+        <p:nvPicPr>
+          <p:cNvPr id="4" name="Picture 3" descr="A screen shot of a cell phone&#10;&#10;Description automatically generated">
+            <a:extLst>
+              <a:ext uri="{FF2B5EF4-FFF2-40B4-BE49-F238E27FC236}">
+                <a16:creationId xmlns:a16="http://schemas.microsoft.com/office/drawing/2014/main" id="{0AF25010-1A95-7D63-24DD-29B4666B73D5}"/>
+              </a:ext>
+            </a:extLst>
+          </p:cNvPr>
+          <p:cNvPicPr>
+            <a:picLocks noChangeAspect="1"/>
+          </p:cNvPicPr>
+          <p:nvPr/>
+        </p:nvPicPr>
+        <p:blipFill>
+          <a:blip r:embed="rId2">
+            <a:extLst>
+              <a:ext uri="{28A0092B-C50C-407E-A947-70E740481C1C}">
+                <a14:useLocalDpi xmlns:a14="http://schemas.microsoft.com/office/drawing/2010/main" val="0"/>
+              </a:ext>
+            </a:extLst>
+          </a:blip>
+          <a:stretch>
+            <a:fillRect/>
+          </a:stretch>
+        </p:blipFill>
+        <p:spPr>
+          <a:xfrm>
+            <a:off x="8639175" y="541867"/>
+            <a:ext cx="3248026" cy="5774266"/>
+          </a:xfrm>
+          <a:prstGeom prst="rect">
+            <a:avLst/>
+          </a:prstGeom>
+        </p:spPr>
+      </p:pic>
     </p:spTree>
     <p:extLst>
       <p:ext uri="{BB962C8B-B14F-4D97-AF65-F5344CB8AC3E}">
         <p14:creationId xmlns:p14="http://schemas.microsoft.com/office/powerpoint/2010/main" val="1722886045"/>
+      </p:ext>
+    </p:extLst>
+  </p:cSld>
+  <p:clrMapOvr>
+    <a:masterClrMapping/>
+  </p:clrMapOvr>
+</p:sld>
+</file>
+
+<file path=ppt/slides/slide4.xml><?xml version="1.0" encoding="utf-8"?>
+<p:sld xmlns:a="http://schemas.openxmlformats.org/drawingml/2006/main" xmlns:r="http://schemas.openxmlformats.org/officeDocument/2006/relationships" xmlns:p="http://schemas.openxmlformats.org/presentationml/2006/main">
+  <p:cSld>
+    <p:spTree>
+      <p:nvGrpSpPr>
+        <p:cNvPr id="1" name=""/>
+        <p:cNvGrpSpPr/>
+        <p:nvPr/>
+      </p:nvGrpSpPr>
+      <p:grpSpPr>
+        <a:xfrm>
+          <a:off x="0" y="0"/>
+          <a:ext cx="0" cy="0"/>
+          <a:chOff x="0" y="0"/>
+          <a:chExt cx="0" cy="0"/>
+        </a:xfrm>
+      </p:grpSpPr>
+      <p:sp>
+        <p:nvSpPr>
+          <p:cNvPr id="2" name="Title 1">
+            <a:extLst>
+              <a:ext uri="{FF2B5EF4-FFF2-40B4-BE49-F238E27FC236}">
+                <a16:creationId xmlns:a16="http://schemas.microsoft.com/office/drawing/2014/main" id="{DC1BE322-06AB-F54A-8AE9-7D65EC7C1991}"/>
+              </a:ext>
+            </a:extLst>
+          </p:cNvPr>
+          <p:cNvSpPr>
+            <a:spLocks noGrp="1"/>
+          </p:cNvSpPr>
+          <p:nvPr>
+            <p:ph type="ctrTitle"/>
+          </p:nvPr>
+        </p:nvSpPr>
+        <p:spPr>
+          <a:xfrm>
+            <a:off x="1524000" y="551995"/>
+            <a:ext cx="9144000" cy="959934"/>
+          </a:xfrm>
+        </p:spPr>
+        <p:txBody>
+          <a:bodyPr/>
+          <a:lstStyle/>
+          <a:p>
+            <a:r>
+              <a:rPr lang="tr-TR" dirty="0"/>
+              <a:t>Activity Menu</a:t>
+            </a:r>
+            <a:endParaRPr lang="en-US" dirty="0"/>
+          </a:p>
+        </p:txBody>
+      </p:sp>
+      <p:pic>
+        <p:nvPicPr>
+          <p:cNvPr id="5" name="Picture 4" descr="A blue background with white rectangles and black text&#10;&#10;Description automatically generated">
+            <a:extLst>
+              <a:ext uri="{FF2B5EF4-FFF2-40B4-BE49-F238E27FC236}">
+                <a16:creationId xmlns:a16="http://schemas.microsoft.com/office/drawing/2014/main" id="{BE25AFA4-A175-5057-7106-2CC80CC0046F}"/>
+              </a:ext>
+            </a:extLst>
+          </p:cNvPr>
+          <p:cNvPicPr>
+            <a:picLocks noChangeAspect="1"/>
+          </p:cNvPicPr>
+          <p:nvPr/>
+        </p:nvPicPr>
+        <p:blipFill>
+          <a:blip r:embed="rId2">
+            <a:extLst>
+              <a:ext uri="{28A0092B-C50C-407E-A947-70E740481C1C}">
+                <a14:useLocalDpi xmlns:a14="http://schemas.microsoft.com/office/drawing/2010/main" val="0"/>
+              </a:ext>
+            </a:extLst>
+          </a:blip>
+          <a:stretch>
+            <a:fillRect/>
+          </a:stretch>
+        </p:blipFill>
+        <p:spPr>
+          <a:xfrm>
+            <a:off x="8738763" y="718912"/>
+            <a:ext cx="3048850" cy="5420176"/>
+          </a:xfrm>
+          <a:prstGeom prst="rect">
+            <a:avLst/>
+          </a:prstGeom>
+        </p:spPr>
+      </p:pic>
+      <p:sp>
+        <p:nvSpPr>
+          <p:cNvPr id="6" name="TextBox 5">
+            <a:extLst>
+              <a:ext uri="{FF2B5EF4-FFF2-40B4-BE49-F238E27FC236}">
+                <a16:creationId xmlns:a16="http://schemas.microsoft.com/office/drawing/2014/main" id="{B590A8EA-7892-6EE6-9280-35CFD5C94DFD}"/>
+              </a:ext>
+            </a:extLst>
+          </p:cNvPr>
+          <p:cNvSpPr txBox="1"/>
+          <p:nvPr/>
+        </p:nvSpPr>
+        <p:spPr>
+          <a:xfrm>
+            <a:off x="778598" y="2046083"/>
+            <a:ext cx="6478248" cy="646331"/>
+          </a:xfrm>
+          <a:prstGeom prst="rect">
+            <a:avLst/>
+          </a:prstGeom>
+          <a:noFill/>
+        </p:spPr>
+        <p:txBody>
+          <a:bodyPr wrap="none" rtlCol="0">
+            <a:spAutoFit/>
+          </a:bodyPr>
+          <a:lstStyle/>
+          <a:p>
+            <a:r>
+              <a:rPr lang="tr-TR" dirty="0"/>
+              <a:t>Her aktivitenin </a:t>
+            </a:r>
+            <a:r>
+              <a:rPr lang="tr-TR" dirty="0" err="1"/>
+              <a:t>bi</a:t>
+            </a:r>
+            <a:r>
+              <a:rPr lang="tr-TR" dirty="0"/>
+              <a:t> </a:t>
+            </a:r>
+            <a:r>
+              <a:rPr lang="tr-TR" dirty="0" err="1"/>
+              <a:t>learn</a:t>
+            </a:r>
+            <a:r>
+              <a:rPr lang="tr-TR" dirty="0"/>
+              <a:t> kısmı bide </a:t>
+            </a:r>
+            <a:r>
+              <a:rPr lang="tr-TR" dirty="0" err="1"/>
+              <a:t>play</a:t>
+            </a:r>
+            <a:r>
+              <a:rPr lang="tr-TR" dirty="0"/>
+              <a:t> kısmı </a:t>
+            </a:r>
+            <a:r>
+              <a:rPr lang="tr-TR" dirty="0" err="1"/>
+              <a:t>olucak</a:t>
+            </a:r>
+            <a:r>
+              <a:rPr lang="tr-TR" dirty="0"/>
+              <a:t>.</a:t>
+            </a:r>
+          </a:p>
+          <a:p>
+            <a:r>
+              <a:rPr lang="tr-TR" dirty="0" err="1"/>
+              <a:t>learn</a:t>
+            </a:r>
+            <a:r>
+              <a:rPr lang="tr-TR" dirty="0"/>
+              <a:t> kısmı bittiği zaman otomatik şekilde </a:t>
+            </a:r>
+            <a:r>
+              <a:rPr lang="tr-TR" dirty="0" err="1"/>
+              <a:t>play</a:t>
+            </a:r>
+            <a:r>
+              <a:rPr lang="tr-TR" dirty="0"/>
+              <a:t> kısmı önerilecek.</a:t>
+            </a:r>
+            <a:endParaRPr lang="en-US" dirty="0"/>
+          </a:p>
+        </p:txBody>
+      </p:sp>
+    </p:spTree>
+    <p:extLst>
+      <p:ext uri="{BB962C8B-B14F-4D97-AF65-F5344CB8AC3E}">
+        <p14:creationId xmlns:p14="http://schemas.microsoft.com/office/powerpoint/2010/main" val="3245253014"/>
       </p:ext>
     </p:extLst>
   </p:cSld>
